--- a/ppt 16-9/0224.喜迎圣诞歌.pptx
+++ b/ppt 16-9/0224.喜迎圣诞歌.pptx
@@ -5,7 +5,7 @@
     <p:sldMasterId id="2147483648" r:id="rId1"/>
   </p:sldMasterIdLst>
   <p:sldIdLst>
-    <p:sldId id="3043" r:id="rId2"/>
+    <p:sldId id="3045" r:id="rId2"/>
   </p:sldIdLst>
   <p:sldSz cx="12192000" cy="6858000"/>
   <p:notesSz cx="6858000" cy="9144000"/>
@@ -129,7 +129,7 @@
           <p:cNvPr id="2" name="标题 1">
             <a:extLst>
               <a:ext uri="{FF2B5EF4-FFF2-40B4-BE49-F238E27FC236}">
-                <a16:creationId xmlns:a16="http://schemas.microsoft.com/office/drawing/2014/main" id="{09679B9F-C4C2-5933-91B6-BFB04586973C}"/>
+                <a16:creationId xmlns:a16="http://schemas.microsoft.com/office/drawing/2014/main" id="{8F489651-ED74-14EB-9D54-1ED5B0F7FB0B}"/>
               </a:ext>
             </a:extLst>
           </p:cNvPr>
@@ -166,7 +166,7 @@
           <p:cNvPr id="3" name="副标题 2">
             <a:extLst>
               <a:ext uri="{FF2B5EF4-FFF2-40B4-BE49-F238E27FC236}">
-                <a16:creationId xmlns:a16="http://schemas.microsoft.com/office/drawing/2014/main" id="{D8C18A6E-C42F-5B36-E3DA-F0B19CAF70CE}"/>
+                <a16:creationId xmlns:a16="http://schemas.microsoft.com/office/drawing/2014/main" id="{D927660D-8445-066D-E95E-B92A657CA26F}"/>
               </a:ext>
             </a:extLst>
           </p:cNvPr>
@@ -236,7 +236,7 @@
           <p:cNvPr id="4" name="日期占位符 3">
             <a:extLst>
               <a:ext uri="{FF2B5EF4-FFF2-40B4-BE49-F238E27FC236}">
-                <a16:creationId xmlns:a16="http://schemas.microsoft.com/office/drawing/2014/main" id="{2D5824B3-5FDE-C698-A1AA-F6A44D3C8751}"/>
+                <a16:creationId xmlns:a16="http://schemas.microsoft.com/office/drawing/2014/main" id="{C4BDDD5E-6822-6CDC-52D0-C03551F45866}"/>
               </a:ext>
             </a:extLst>
           </p:cNvPr>
@@ -252,7 +252,7 @@
           <a:bodyPr/>
           <a:lstStyle/>
           <a:p>
-            <a:fld id="{5861120D-BC45-4B6E-A636-8247C5F405B9}" type="datetimeFigureOut">
+            <a:fld id="{0E9CF11F-9713-4F40-A8F8-BB166B1ECD77}" type="datetimeFigureOut">
               <a:rPr lang="zh-CN" altLang="en-US" smtClean="0"/>
               <a:t>2024/3/10</a:t>
             </a:fld>
@@ -265,7 +265,7 @@
           <p:cNvPr id="5" name="页脚占位符 4">
             <a:extLst>
               <a:ext uri="{FF2B5EF4-FFF2-40B4-BE49-F238E27FC236}">
-                <a16:creationId xmlns:a16="http://schemas.microsoft.com/office/drawing/2014/main" id="{FC73FBA6-D888-8AB5-5EB0-2721D9F197CB}"/>
+                <a16:creationId xmlns:a16="http://schemas.microsoft.com/office/drawing/2014/main" id="{FE809122-1703-CF9A-BEFD-BF96EB861B43}"/>
               </a:ext>
             </a:extLst>
           </p:cNvPr>
@@ -290,7 +290,7 @@
           <p:cNvPr id="6" name="灯片编号占位符 5">
             <a:extLst>
               <a:ext uri="{FF2B5EF4-FFF2-40B4-BE49-F238E27FC236}">
-                <a16:creationId xmlns:a16="http://schemas.microsoft.com/office/drawing/2014/main" id="{3DD4AC0A-3307-422D-CCB4-0020777C850C}"/>
+                <a16:creationId xmlns:a16="http://schemas.microsoft.com/office/drawing/2014/main" id="{46D61985-AC6F-3BDF-63AA-9AE3CE5CEB12}"/>
               </a:ext>
             </a:extLst>
           </p:cNvPr>
@@ -306,7 +306,7 @@
           <a:bodyPr/>
           <a:lstStyle/>
           <a:p>
-            <a:fld id="{5990C7C4-547B-4CEF-8717-ACB4068AE4C5}" type="slidenum">
+            <a:fld id="{778F025A-9646-4464-B704-EAFA7EC308D1}" type="slidenum">
               <a:rPr lang="zh-CN" altLang="en-US" smtClean="0"/>
               <a:t>‹#›</a:t>
             </a:fld>
@@ -317,7 +317,7 @@
     </p:spTree>
     <p:extLst>
       <p:ext uri="{BB962C8B-B14F-4D97-AF65-F5344CB8AC3E}">
-        <p14:creationId xmlns:p14="http://schemas.microsoft.com/office/powerpoint/2010/main" val="880459724"/>
+        <p14:creationId xmlns:p14="http://schemas.microsoft.com/office/powerpoint/2010/main" val="2073315642"/>
       </p:ext>
     </p:extLst>
   </p:cSld>
@@ -349,7 +349,7 @@
           <p:cNvPr id="2" name="标题 1">
             <a:extLst>
               <a:ext uri="{FF2B5EF4-FFF2-40B4-BE49-F238E27FC236}">
-                <a16:creationId xmlns:a16="http://schemas.microsoft.com/office/drawing/2014/main" id="{D1000B82-2F32-C99C-A7F1-88AD73DDE386}"/>
+                <a16:creationId xmlns:a16="http://schemas.microsoft.com/office/drawing/2014/main" id="{B0758595-84FD-499F-9B0B-33DA5BFCE5AF}"/>
               </a:ext>
             </a:extLst>
           </p:cNvPr>
@@ -377,7 +377,7 @@
           <p:cNvPr id="3" name="竖排文字占位符 2">
             <a:extLst>
               <a:ext uri="{FF2B5EF4-FFF2-40B4-BE49-F238E27FC236}">
-                <a16:creationId xmlns:a16="http://schemas.microsoft.com/office/drawing/2014/main" id="{8762FD37-C571-7F26-8F5D-EABF5A0DFFEF}"/>
+                <a16:creationId xmlns:a16="http://schemas.microsoft.com/office/drawing/2014/main" id="{923F8888-E864-01FA-48EF-9991EF90E70B}"/>
               </a:ext>
             </a:extLst>
           </p:cNvPr>
@@ -434,7 +434,7 @@
           <p:cNvPr id="4" name="日期占位符 3">
             <a:extLst>
               <a:ext uri="{FF2B5EF4-FFF2-40B4-BE49-F238E27FC236}">
-                <a16:creationId xmlns:a16="http://schemas.microsoft.com/office/drawing/2014/main" id="{AF00093D-234D-B4F5-7162-6B78030BA41B}"/>
+                <a16:creationId xmlns:a16="http://schemas.microsoft.com/office/drawing/2014/main" id="{F44D9D9A-03E0-4616-2510-43EF08DFF5D5}"/>
               </a:ext>
             </a:extLst>
           </p:cNvPr>
@@ -450,7 +450,7 @@
           <a:bodyPr/>
           <a:lstStyle/>
           <a:p>
-            <a:fld id="{5861120D-BC45-4B6E-A636-8247C5F405B9}" type="datetimeFigureOut">
+            <a:fld id="{0E9CF11F-9713-4F40-A8F8-BB166B1ECD77}" type="datetimeFigureOut">
               <a:rPr lang="zh-CN" altLang="en-US" smtClean="0"/>
               <a:t>2024/3/10</a:t>
             </a:fld>
@@ -463,7 +463,7 @@
           <p:cNvPr id="5" name="页脚占位符 4">
             <a:extLst>
               <a:ext uri="{FF2B5EF4-FFF2-40B4-BE49-F238E27FC236}">
-                <a16:creationId xmlns:a16="http://schemas.microsoft.com/office/drawing/2014/main" id="{2107EC33-0351-2DB3-D8F2-B93A6A1258B5}"/>
+                <a16:creationId xmlns:a16="http://schemas.microsoft.com/office/drawing/2014/main" id="{40FE4BAC-F87E-95A1-328F-DEF0955D7E44}"/>
               </a:ext>
             </a:extLst>
           </p:cNvPr>
@@ -488,7 +488,7 @@
           <p:cNvPr id="6" name="灯片编号占位符 5">
             <a:extLst>
               <a:ext uri="{FF2B5EF4-FFF2-40B4-BE49-F238E27FC236}">
-                <a16:creationId xmlns:a16="http://schemas.microsoft.com/office/drawing/2014/main" id="{E89219AA-DA67-AFDA-2DCA-847BB593B634}"/>
+                <a16:creationId xmlns:a16="http://schemas.microsoft.com/office/drawing/2014/main" id="{7879A71C-59C1-4D39-119A-57A0E647DACC}"/>
               </a:ext>
             </a:extLst>
           </p:cNvPr>
@@ -504,7 +504,7 @@
           <a:bodyPr/>
           <a:lstStyle/>
           <a:p>
-            <a:fld id="{5990C7C4-547B-4CEF-8717-ACB4068AE4C5}" type="slidenum">
+            <a:fld id="{778F025A-9646-4464-B704-EAFA7EC308D1}" type="slidenum">
               <a:rPr lang="zh-CN" altLang="en-US" smtClean="0"/>
               <a:t>‹#›</a:t>
             </a:fld>
@@ -515,7 +515,7 @@
     </p:spTree>
     <p:extLst>
       <p:ext uri="{BB962C8B-B14F-4D97-AF65-F5344CB8AC3E}">
-        <p14:creationId xmlns:p14="http://schemas.microsoft.com/office/powerpoint/2010/main" val="3052590989"/>
+        <p14:creationId xmlns:p14="http://schemas.microsoft.com/office/powerpoint/2010/main" val="3445764847"/>
       </p:ext>
     </p:extLst>
   </p:cSld>
@@ -547,7 +547,7 @@
           <p:cNvPr id="2" name="竖排标题 1">
             <a:extLst>
               <a:ext uri="{FF2B5EF4-FFF2-40B4-BE49-F238E27FC236}">
-                <a16:creationId xmlns:a16="http://schemas.microsoft.com/office/drawing/2014/main" id="{DBC4992D-4F33-9F41-4771-88171124E847}"/>
+                <a16:creationId xmlns:a16="http://schemas.microsoft.com/office/drawing/2014/main" id="{70101D25-B87C-881C-9D8D-7D6B692350F2}"/>
               </a:ext>
             </a:extLst>
           </p:cNvPr>
@@ -580,7 +580,7 @@
           <p:cNvPr id="3" name="竖排文字占位符 2">
             <a:extLst>
               <a:ext uri="{FF2B5EF4-FFF2-40B4-BE49-F238E27FC236}">
-                <a16:creationId xmlns:a16="http://schemas.microsoft.com/office/drawing/2014/main" id="{434D91D4-5089-E8A6-8B67-734555A2F258}"/>
+                <a16:creationId xmlns:a16="http://schemas.microsoft.com/office/drawing/2014/main" id="{F9985E76-ECB3-1EAC-1C6F-397AB7250E18}"/>
               </a:ext>
             </a:extLst>
           </p:cNvPr>
@@ -642,7 +642,7 @@
           <p:cNvPr id="4" name="日期占位符 3">
             <a:extLst>
               <a:ext uri="{FF2B5EF4-FFF2-40B4-BE49-F238E27FC236}">
-                <a16:creationId xmlns:a16="http://schemas.microsoft.com/office/drawing/2014/main" id="{0DDE962C-FBB5-90BC-DF1F-FBC1DCEBDDCD}"/>
+                <a16:creationId xmlns:a16="http://schemas.microsoft.com/office/drawing/2014/main" id="{5F5313DC-6EF0-415F-B706-96EB80849111}"/>
               </a:ext>
             </a:extLst>
           </p:cNvPr>
@@ -658,7 +658,7 @@
           <a:bodyPr/>
           <a:lstStyle/>
           <a:p>
-            <a:fld id="{5861120D-BC45-4B6E-A636-8247C5F405B9}" type="datetimeFigureOut">
+            <a:fld id="{0E9CF11F-9713-4F40-A8F8-BB166B1ECD77}" type="datetimeFigureOut">
               <a:rPr lang="zh-CN" altLang="en-US" smtClean="0"/>
               <a:t>2024/3/10</a:t>
             </a:fld>
@@ -671,7 +671,7 @@
           <p:cNvPr id="5" name="页脚占位符 4">
             <a:extLst>
               <a:ext uri="{FF2B5EF4-FFF2-40B4-BE49-F238E27FC236}">
-                <a16:creationId xmlns:a16="http://schemas.microsoft.com/office/drawing/2014/main" id="{EF462F7B-52C9-EEFE-B051-62E46D61013B}"/>
+                <a16:creationId xmlns:a16="http://schemas.microsoft.com/office/drawing/2014/main" id="{928BFA48-26CE-91A3-84D4-26E07E3B54BB}"/>
               </a:ext>
             </a:extLst>
           </p:cNvPr>
@@ -696,7 +696,7 @@
           <p:cNvPr id="6" name="灯片编号占位符 5">
             <a:extLst>
               <a:ext uri="{FF2B5EF4-FFF2-40B4-BE49-F238E27FC236}">
-                <a16:creationId xmlns:a16="http://schemas.microsoft.com/office/drawing/2014/main" id="{461A4385-992A-DD99-1BA7-05A5AFB3BC73}"/>
+                <a16:creationId xmlns:a16="http://schemas.microsoft.com/office/drawing/2014/main" id="{E4E0176C-21C8-7353-C652-239CCEDFC01E}"/>
               </a:ext>
             </a:extLst>
           </p:cNvPr>
@@ -712,7 +712,7 @@
           <a:bodyPr/>
           <a:lstStyle/>
           <a:p>
-            <a:fld id="{5990C7C4-547B-4CEF-8717-ACB4068AE4C5}" type="slidenum">
+            <a:fld id="{778F025A-9646-4464-B704-EAFA7EC308D1}" type="slidenum">
               <a:rPr lang="zh-CN" altLang="en-US" smtClean="0"/>
               <a:t>‹#›</a:t>
             </a:fld>
@@ -723,7 +723,7 @@
     </p:spTree>
     <p:extLst>
       <p:ext uri="{BB962C8B-B14F-4D97-AF65-F5344CB8AC3E}">
-        <p14:creationId xmlns:p14="http://schemas.microsoft.com/office/powerpoint/2010/main" val="427178316"/>
+        <p14:creationId xmlns:p14="http://schemas.microsoft.com/office/powerpoint/2010/main" val="91710208"/>
       </p:ext>
     </p:extLst>
   </p:cSld>
@@ -755,7 +755,7 @@
           <p:cNvPr id="2" name="标题 1">
             <a:extLst>
               <a:ext uri="{FF2B5EF4-FFF2-40B4-BE49-F238E27FC236}">
-                <a16:creationId xmlns:a16="http://schemas.microsoft.com/office/drawing/2014/main" id="{7390D94D-8793-376E-C1FD-740DCDB38A2B}"/>
+                <a16:creationId xmlns:a16="http://schemas.microsoft.com/office/drawing/2014/main" id="{7AE1A0D8-EF2C-429A-C235-3DF20EB69889}"/>
               </a:ext>
             </a:extLst>
           </p:cNvPr>
@@ -783,7 +783,7 @@
           <p:cNvPr id="3" name="内容占位符 2">
             <a:extLst>
               <a:ext uri="{FF2B5EF4-FFF2-40B4-BE49-F238E27FC236}">
-                <a16:creationId xmlns:a16="http://schemas.microsoft.com/office/drawing/2014/main" id="{26A599AE-B906-8C81-4DB5-C53F37554769}"/>
+                <a16:creationId xmlns:a16="http://schemas.microsoft.com/office/drawing/2014/main" id="{66AD7193-B153-157E-D67A-AC480BDEBCBC}"/>
               </a:ext>
             </a:extLst>
           </p:cNvPr>
@@ -840,7 +840,7 @@
           <p:cNvPr id="4" name="日期占位符 3">
             <a:extLst>
               <a:ext uri="{FF2B5EF4-FFF2-40B4-BE49-F238E27FC236}">
-                <a16:creationId xmlns:a16="http://schemas.microsoft.com/office/drawing/2014/main" id="{590E6539-9FFB-EDEC-2CAE-CC060E766FF2}"/>
+                <a16:creationId xmlns:a16="http://schemas.microsoft.com/office/drawing/2014/main" id="{35BDE09A-E817-27FC-94FB-3D1260DF440D}"/>
               </a:ext>
             </a:extLst>
           </p:cNvPr>
@@ -856,7 +856,7 @@
           <a:bodyPr/>
           <a:lstStyle/>
           <a:p>
-            <a:fld id="{5861120D-BC45-4B6E-A636-8247C5F405B9}" type="datetimeFigureOut">
+            <a:fld id="{0E9CF11F-9713-4F40-A8F8-BB166B1ECD77}" type="datetimeFigureOut">
               <a:rPr lang="zh-CN" altLang="en-US" smtClean="0"/>
               <a:t>2024/3/10</a:t>
             </a:fld>
@@ -869,7 +869,7 @@
           <p:cNvPr id="5" name="页脚占位符 4">
             <a:extLst>
               <a:ext uri="{FF2B5EF4-FFF2-40B4-BE49-F238E27FC236}">
-                <a16:creationId xmlns:a16="http://schemas.microsoft.com/office/drawing/2014/main" id="{B206C259-EC8E-CBF7-983C-BF9647A2B396}"/>
+                <a16:creationId xmlns:a16="http://schemas.microsoft.com/office/drawing/2014/main" id="{F18B8D00-6CC5-C9FB-FBA9-2253FCDEA87D}"/>
               </a:ext>
             </a:extLst>
           </p:cNvPr>
@@ -894,7 +894,7 @@
           <p:cNvPr id="6" name="灯片编号占位符 5">
             <a:extLst>
               <a:ext uri="{FF2B5EF4-FFF2-40B4-BE49-F238E27FC236}">
-                <a16:creationId xmlns:a16="http://schemas.microsoft.com/office/drawing/2014/main" id="{C2453093-C664-55D9-2E2E-D690B819AB4F}"/>
+                <a16:creationId xmlns:a16="http://schemas.microsoft.com/office/drawing/2014/main" id="{ACB18AA6-20A1-F192-7A58-63213F98187E}"/>
               </a:ext>
             </a:extLst>
           </p:cNvPr>
@@ -910,7 +910,7 @@
           <a:bodyPr/>
           <a:lstStyle/>
           <a:p>
-            <a:fld id="{5990C7C4-547B-4CEF-8717-ACB4068AE4C5}" type="slidenum">
+            <a:fld id="{778F025A-9646-4464-B704-EAFA7EC308D1}" type="slidenum">
               <a:rPr lang="zh-CN" altLang="en-US" smtClean="0"/>
               <a:t>‹#›</a:t>
             </a:fld>
@@ -921,7 +921,7 @@
     </p:spTree>
     <p:extLst>
       <p:ext uri="{BB962C8B-B14F-4D97-AF65-F5344CB8AC3E}">
-        <p14:creationId xmlns:p14="http://schemas.microsoft.com/office/powerpoint/2010/main" val="3844038688"/>
+        <p14:creationId xmlns:p14="http://schemas.microsoft.com/office/powerpoint/2010/main" val="433652340"/>
       </p:ext>
     </p:extLst>
   </p:cSld>
@@ -953,7 +953,7 @@
           <p:cNvPr id="2" name="标题 1">
             <a:extLst>
               <a:ext uri="{FF2B5EF4-FFF2-40B4-BE49-F238E27FC236}">
-                <a16:creationId xmlns:a16="http://schemas.microsoft.com/office/drawing/2014/main" id="{FF9E618D-F67D-F484-F82C-8B4CC771319F}"/>
+                <a16:creationId xmlns:a16="http://schemas.microsoft.com/office/drawing/2014/main" id="{AE703A49-C14F-4CA2-7326-F24D1671FEEF}"/>
               </a:ext>
             </a:extLst>
           </p:cNvPr>
@@ -990,7 +990,7 @@
           <p:cNvPr id="3" name="文本占位符 2">
             <a:extLst>
               <a:ext uri="{FF2B5EF4-FFF2-40B4-BE49-F238E27FC236}">
-                <a16:creationId xmlns:a16="http://schemas.microsoft.com/office/drawing/2014/main" id="{6FEEA625-5BD3-9C3B-3E54-F4AA9807A8FC}"/>
+                <a16:creationId xmlns:a16="http://schemas.microsoft.com/office/drawing/2014/main" id="{6B05FCCE-9BFA-B2EC-FE3B-4CAA1844FBB3}"/>
               </a:ext>
             </a:extLst>
           </p:cNvPr>
@@ -1115,7 +1115,7 @@
           <p:cNvPr id="4" name="日期占位符 3">
             <a:extLst>
               <a:ext uri="{FF2B5EF4-FFF2-40B4-BE49-F238E27FC236}">
-                <a16:creationId xmlns:a16="http://schemas.microsoft.com/office/drawing/2014/main" id="{240514BB-CFE2-D420-2D0C-5959CDF54446}"/>
+                <a16:creationId xmlns:a16="http://schemas.microsoft.com/office/drawing/2014/main" id="{48FB716D-BED5-3AD6-DEFC-A0102EBA56CF}"/>
               </a:ext>
             </a:extLst>
           </p:cNvPr>
@@ -1131,7 +1131,7 @@
           <a:bodyPr/>
           <a:lstStyle/>
           <a:p>
-            <a:fld id="{5861120D-BC45-4B6E-A636-8247C5F405B9}" type="datetimeFigureOut">
+            <a:fld id="{0E9CF11F-9713-4F40-A8F8-BB166B1ECD77}" type="datetimeFigureOut">
               <a:rPr lang="zh-CN" altLang="en-US" smtClean="0"/>
               <a:t>2024/3/10</a:t>
             </a:fld>
@@ -1144,7 +1144,7 @@
           <p:cNvPr id="5" name="页脚占位符 4">
             <a:extLst>
               <a:ext uri="{FF2B5EF4-FFF2-40B4-BE49-F238E27FC236}">
-                <a16:creationId xmlns:a16="http://schemas.microsoft.com/office/drawing/2014/main" id="{776DE161-23A3-E849-89A6-4504502B15A2}"/>
+                <a16:creationId xmlns:a16="http://schemas.microsoft.com/office/drawing/2014/main" id="{0D7ED0D0-1E3A-E33A-464E-8E7015447E4C}"/>
               </a:ext>
             </a:extLst>
           </p:cNvPr>
@@ -1169,7 +1169,7 @@
           <p:cNvPr id="6" name="灯片编号占位符 5">
             <a:extLst>
               <a:ext uri="{FF2B5EF4-FFF2-40B4-BE49-F238E27FC236}">
-                <a16:creationId xmlns:a16="http://schemas.microsoft.com/office/drawing/2014/main" id="{78321228-530D-1050-E2DB-B4DFF17B562B}"/>
+                <a16:creationId xmlns:a16="http://schemas.microsoft.com/office/drawing/2014/main" id="{3B62116D-8664-848B-5CAB-8B10E634E10F}"/>
               </a:ext>
             </a:extLst>
           </p:cNvPr>
@@ -1185,7 +1185,7 @@
           <a:bodyPr/>
           <a:lstStyle/>
           <a:p>
-            <a:fld id="{5990C7C4-547B-4CEF-8717-ACB4068AE4C5}" type="slidenum">
+            <a:fld id="{778F025A-9646-4464-B704-EAFA7EC308D1}" type="slidenum">
               <a:rPr lang="zh-CN" altLang="en-US" smtClean="0"/>
               <a:t>‹#›</a:t>
             </a:fld>
@@ -1196,7 +1196,7 @@
     </p:spTree>
     <p:extLst>
       <p:ext uri="{BB962C8B-B14F-4D97-AF65-F5344CB8AC3E}">
-        <p14:creationId xmlns:p14="http://schemas.microsoft.com/office/powerpoint/2010/main" val="2712110119"/>
+        <p14:creationId xmlns:p14="http://schemas.microsoft.com/office/powerpoint/2010/main" val="1324066219"/>
       </p:ext>
     </p:extLst>
   </p:cSld>
@@ -1228,7 +1228,7 @@
           <p:cNvPr id="2" name="标题 1">
             <a:extLst>
               <a:ext uri="{FF2B5EF4-FFF2-40B4-BE49-F238E27FC236}">
-                <a16:creationId xmlns:a16="http://schemas.microsoft.com/office/drawing/2014/main" id="{63BE281B-49AF-5ED3-4F36-906A2E9E9F65}"/>
+                <a16:creationId xmlns:a16="http://schemas.microsoft.com/office/drawing/2014/main" id="{2E9C45D0-FFDB-E12B-EDC6-154D49B8AE44}"/>
               </a:ext>
             </a:extLst>
           </p:cNvPr>
@@ -1256,7 +1256,7 @@
           <p:cNvPr id="3" name="内容占位符 2">
             <a:extLst>
               <a:ext uri="{FF2B5EF4-FFF2-40B4-BE49-F238E27FC236}">
-                <a16:creationId xmlns:a16="http://schemas.microsoft.com/office/drawing/2014/main" id="{1988050C-3DDD-2441-7644-0A5F1D9BF739}"/>
+                <a16:creationId xmlns:a16="http://schemas.microsoft.com/office/drawing/2014/main" id="{46FC9189-D514-9E61-0E57-0BE38809A426}"/>
               </a:ext>
             </a:extLst>
           </p:cNvPr>
@@ -1318,7 +1318,7 @@
           <p:cNvPr id="4" name="内容占位符 3">
             <a:extLst>
               <a:ext uri="{FF2B5EF4-FFF2-40B4-BE49-F238E27FC236}">
-                <a16:creationId xmlns:a16="http://schemas.microsoft.com/office/drawing/2014/main" id="{E7F6A1D7-FE05-5740-F096-BD3033C108F6}"/>
+                <a16:creationId xmlns:a16="http://schemas.microsoft.com/office/drawing/2014/main" id="{740517F6-BAEA-6FE6-F1BF-079B487DE202}"/>
               </a:ext>
             </a:extLst>
           </p:cNvPr>
@@ -1380,7 +1380,7 @@
           <p:cNvPr id="5" name="日期占位符 4">
             <a:extLst>
               <a:ext uri="{FF2B5EF4-FFF2-40B4-BE49-F238E27FC236}">
-                <a16:creationId xmlns:a16="http://schemas.microsoft.com/office/drawing/2014/main" id="{BF37E132-2168-0F0B-F964-00854C55F58D}"/>
+                <a16:creationId xmlns:a16="http://schemas.microsoft.com/office/drawing/2014/main" id="{CCE895F2-D87F-E3AA-38D9-14E5E245116B}"/>
               </a:ext>
             </a:extLst>
           </p:cNvPr>
@@ -1396,7 +1396,7 @@
           <a:bodyPr/>
           <a:lstStyle/>
           <a:p>
-            <a:fld id="{5861120D-BC45-4B6E-A636-8247C5F405B9}" type="datetimeFigureOut">
+            <a:fld id="{0E9CF11F-9713-4F40-A8F8-BB166B1ECD77}" type="datetimeFigureOut">
               <a:rPr lang="zh-CN" altLang="en-US" smtClean="0"/>
               <a:t>2024/3/10</a:t>
             </a:fld>
@@ -1409,7 +1409,7 @@
           <p:cNvPr id="6" name="页脚占位符 5">
             <a:extLst>
               <a:ext uri="{FF2B5EF4-FFF2-40B4-BE49-F238E27FC236}">
-                <a16:creationId xmlns:a16="http://schemas.microsoft.com/office/drawing/2014/main" id="{14B6A414-71F4-C33D-2B81-065CDEA1669A}"/>
+                <a16:creationId xmlns:a16="http://schemas.microsoft.com/office/drawing/2014/main" id="{08C6A29C-C1E7-AD2F-922F-BD1F67709BA3}"/>
               </a:ext>
             </a:extLst>
           </p:cNvPr>
@@ -1434,7 +1434,7 @@
           <p:cNvPr id="7" name="灯片编号占位符 6">
             <a:extLst>
               <a:ext uri="{FF2B5EF4-FFF2-40B4-BE49-F238E27FC236}">
-                <a16:creationId xmlns:a16="http://schemas.microsoft.com/office/drawing/2014/main" id="{3D32FAED-2914-DA9B-0291-66ACD86E3CBE}"/>
+                <a16:creationId xmlns:a16="http://schemas.microsoft.com/office/drawing/2014/main" id="{9F360FB5-3323-DCAC-BC62-30E7C2407AAD}"/>
               </a:ext>
             </a:extLst>
           </p:cNvPr>
@@ -1450,7 +1450,7 @@
           <a:bodyPr/>
           <a:lstStyle/>
           <a:p>
-            <a:fld id="{5990C7C4-547B-4CEF-8717-ACB4068AE4C5}" type="slidenum">
+            <a:fld id="{778F025A-9646-4464-B704-EAFA7EC308D1}" type="slidenum">
               <a:rPr lang="zh-CN" altLang="en-US" smtClean="0"/>
               <a:t>‹#›</a:t>
             </a:fld>
@@ -1461,7 +1461,7 @@
     </p:spTree>
     <p:extLst>
       <p:ext uri="{BB962C8B-B14F-4D97-AF65-F5344CB8AC3E}">
-        <p14:creationId xmlns:p14="http://schemas.microsoft.com/office/powerpoint/2010/main" val="3908922819"/>
+        <p14:creationId xmlns:p14="http://schemas.microsoft.com/office/powerpoint/2010/main" val="1807600757"/>
       </p:ext>
     </p:extLst>
   </p:cSld>
@@ -1493,7 +1493,7 @@
           <p:cNvPr id="2" name="标题 1">
             <a:extLst>
               <a:ext uri="{FF2B5EF4-FFF2-40B4-BE49-F238E27FC236}">
-                <a16:creationId xmlns:a16="http://schemas.microsoft.com/office/drawing/2014/main" id="{896B83B5-1635-9CE1-ED6F-69A7CBE9B952}"/>
+                <a16:creationId xmlns:a16="http://schemas.microsoft.com/office/drawing/2014/main" id="{9A5DFEA0-647A-2BEA-28F8-A889B4CEC96B}"/>
               </a:ext>
             </a:extLst>
           </p:cNvPr>
@@ -1526,7 +1526,7 @@
           <p:cNvPr id="3" name="文本占位符 2">
             <a:extLst>
               <a:ext uri="{FF2B5EF4-FFF2-40B4-BE49-F238E27FC236}">
-                <a16:creationId xmlns:a16="http://schemas.microsoft.com/office/drawing/2014/main" id="{892F5B9E-B1D9-0653-8E9C-93FB9FBE6FDD}"/>
+                <a16:creationId xmlns:a16="http://schemas.microsoft.com/office/drawing/2014/main" id="{141E57E3-5773-C8BD-E9FE-D81F1856DAB3}"/>
               </a:ext>
             </a:extLst>
           </p:cNvPr>
@@ -1597,7 +1597,7 @@
           <p:cNvPr id="4" name="内容占位符 3">
             <a:extLst>
               <a:ext uri="{FF2B5EF4-FFF2-40B4-BE49-F238E27FC236}">
-                <a16:creationId xmlns:a16="http://schemas.microsoft.com/office/drawing/2014/main" id="{90FC94B8-8A0C-7DFA-3FEE-7CDDEFBBF5A6}"/>
+                <a16:creationId xmlns:a16="http://schemas.microsoft.com/office/drawing/2014/main" id="{56D4CBB4-AE2D-8C39-E678-DE849EF88216}"/>
               </a:ext>
             </a:extLst>
           </p:cNvPr>
@@ -1659,7 +1659,7 @@
           <p:cNvPr id="5" name="文本占位符 4">
             <a:extLst>
               <a:ext uri="{FF2B5EF4-FFF2-40B4-BE49-F238E27FC236}">
-                <a16:creationId xmlns:a16="http://schemas.microsoft.com/office/drawing/2014/main" id="{FC8D74DB-541C-7A7C-1836-75D61E0FC4C4}"/>
+                <a16:creationId xmlns:a16="http://schemas.microsoft.com/office/drawing/2014/main" id="{159A0EEB-EE02-FCB4-C739-DE465BCAAA40}"/>
               </a:ext>
             </a:extLst>
           </p:cNvPr>
@@ -1730,7 +1730,7 @@
           <p:cNvPr id="6" name="内容占位符 5">
             <a:extLst>
               <a:ext uri="{FF2B5EF4-FFF2-40B4-BE49-F238E27FC236}">
-                <a16:creationId xmlns:a16="http://schemas.microsoft.com/office/drawing/2014/main" id="{4EC4AE5C-B0DB-F0BB-96DE-E3DBB7FD4EB4}"/>
+                <a16:creationId xmlns:a16="http://schemas.microsoft.com/office/drawing/2014/main" id="{C4065D45-10CE-2E3A-E9CA-D90BCE48760C}"/>
               </a:ext>
             </a:extLst>
           </p:cNvPr>
@@ -1792,7 +1792,7 @@
           <p:cNvPr id="7" name="日期占位符 6">
             <a:extLst>
               <a:ext uri="{FF2B5EF4-FFF2-40B4-BE49-F238E27FC236}">
-                <a16:creationId xmlns:a16="http://schemas.microsoft.com/office/drawing/2014/main" id="{47A65618-2805-E2D1-7C5E-DDC460C809B1}"/>
+                <a16:creationId xmlns:a16="http://schemas.microsoft.com/office/drawing/2014/main" id="{95423B0B-653E-1294-9B02-E9E6712FF99F}"/>
               </a:ext>
             </a:extLst>
           </p:cNvPr>
@@ -1808,7 +1808,7 @@
           <a:bodyPr/>
           <a:lstStyle/>
           <a:p>
-            <a:fld id="{5861120D-BC45-4B6E-A636-8247C5F405B9}" type="datetimeFigureOut">
+            <a:fld id="{0E9CF11F-9713-4F40-A8F8-BB166B1ECD77}" type="datetimeFigureOut">
               <a:rPr lang="zh-CN" altLang="en-US" smtClean="0"/>
               <a:t>2024/3/10</a:t>
             </a:fld>
@@ -1821,7 +1821,7 @@
           <p:cNvPr id="8" name="页脚占位符 7">
             <a:extLst>
               <a:ext uri="{FF2B5EF4-FFF2-40B4-BE49-F238E27FC236}">
-                <a16:creationId xmlns:a16="http://schemas.microsoft.com/office/drawing/2014/main" id="{F82E1EA9-9541-E949-36FA-BA43065CF04C}"/>
+                <a16:creationId xmlns:a16="http://schemas.microsoft.com/office/drawing/2014/main" id="{EC6CECD7-B1C9-70A0-AFCA-63361804234E}"/>
               </a:ext>
             </a:extLst>
           </p:cNvPr>
@@ -1846,7 +1846,7 @@
           <p:cNvPr id="9" name="灯片编号占位符 8">
             <a:extLst>
               <a:ext uri="{FF2B5EF4-FFF2-40B4-BE49-F238E27FC236}">
-                <a16:creationId xmlns:a16="http://schemas.microsoft.com/office/drawing/2014/main" id="{CE88EE8A-4D92-FCB3-8B58-5E5534CA8E0E}"/>
+                <a16:creationId xmlns:a16="http://schemas.microsoft.com/office/drawing/2014/main" id="{787DFD59-A87E-28D7-08E3-4F9D718FE65B}"/>
               </a:ext>
             </a:extLst>
           </p:cNvPr>
@@ -1862,7 +1862,7 @@
           <a:bodyPr/>
           <a:lstStyle/>
           <a:p>
-            <a:fld id="{5990C7C4-547B-4CEF-8717-ACB4068AE4C5}" type="slidenum">
+            <a:fld id="{778F025A-9646-4464-B704-EAFA7EC308D1}" type="slidenum">
               <a:rPr lang="zh-CN" altLang="en-US" smtClean="0"/>
               <a:t>‹#›</a:t>
             </a:fld>
@@ -1873,7 +1873,7 @@
     </p:spTree>
     <p:extLst>
       <p:ext uri="{BB962C8B-B14F-4D97-AF65-F5344CB8AC3E}">
-        <p14:creationId xmlns:p14="http://schemas.microsoft.com/office/powerpoint/2010/main" val="2104001237"/>
+        <p14:creationId xmlns:p14="http://schemas.microsoft.com/office/powerpoint/2010/main" val="3228573569"/>
       </p:ext>
     </p:extLst>
   </p:cSld>
@@ -1905,7 +1905,7 @@
           <p:cNvPr id="2" name="标题 1">
             <a:extLst>
               <a:ext uri="{FF2B5EF4-FFF2-40B4-BE49-F238E27FC236}">
-                <a16:creationId xmlns:a16="http://schemas.microsoft.com/office/drawing/2014/main" id="{6A70E75D-D9A5-93A2-3CCA-3274AC9BE2FB}"/>
+                <a16:creationId xmlns:a16="http://schemas.microsoft.com/office/drawing/2014/main" id="{DF0FC188-168F-7B8D-933E-A70C4BB5F74D}"/>
               </a:ext>
             </a:extLst>
           </p:cNvPr>
@@ -1933,7 +1933,7 @@
           <p:cNvPr id="3" name="日期占位符 2">
             <a:extLst>
               <a:ext uri="{FF2B5EF4-FFF2-40B4-BE49-F238E27FC236}">
-                <a16:creationId xmlns:a16="http://schemas.microsoft.com/office/drawing/2014/main" id="{457C5E2C-50BA-525B-5FFC-CA2D246A2DEC}"/>
+                <a16:creationId xmlns:a16="http://schemas.microsoft.com/office/drawing/2014/main" id="{800B30F7-20BC-4119-AF76-E504AAE5F409}"/>
               </a:ext>
             </a:extLst>
           </p:cNvPr>
@@ -1949,7 +1949,7 @@
           <a:bodyPr/>
           <a:lstStyle/>
           <a:p>
-            <a:fld id="{5861120D-BC45-4B6E-A636-8247C5F405B9}" type="datetimeFigureOut">
+            <a:fld id="{0E9CF11F-9713-4F40-A8F8-BB166B1ECD77}" type="datetimeFigureOut">
               <a:rPr lang="zh-CN" altLang="en-US" smtClean="0"/>
               <a:t>2024/3/10</a:t>
             </a:fld>
@@ -1962,7 +1962,7 @@
           <p:cNvPr id="4" name="页脚占位符 3">
             <a:extLst>
               <a:ext uri="{FF2B5EF4-FFF2-40B4-BE49-F238E27FC236}">
-                <a16:creationId xmlns:a16="http://schemas.microsoft.com/office/drawing/2014/main" id="{6D235E07-556F-2CE2-CCC0-1E85C16AF8E4}"/>
+                <a16:creationId xmlns:a16="http://schemas.microsoft.com/office/drawing/2014/main" id="{4A56923C-D3D0-99A8-F9C9-385FAD523B4A}"/>
               </a:ext>
             </a:extLst>
           </p:cNvPr>
@@ -1987,7 +1987,7 @@
           <p:cNvPr id="5" name="灯片编号占位符 4">
             <a:extLst>
               <a:ext uri="{FF2B5EF4-FFF2-40B4-BE49-F238E27FC236}">
-                <a16:creationId xmlns:a16="http://schemas.microsoft.com/office/drawing/2014/main" id="{5ABBDF8A-1509-11F7-71DB-A3A5854A13C4}"/>
+                <a16:creationId xmlns:a16="http://schemas.microsoft.com/office/drawing/2014/main" id="{C7F7CF37-FC63-31ED-7564-8738B4BD473C}"/>
               </a:ext>
             </a:extLst>
           </p:cNvPr>
@@ -2003,7 +2003,7 @@
           <a:bodyPr/>
           <a:lstStyle/>
           <a:p>
-            <a:fld id="{5990C7C4-547B-4CEF-8717-ACB4068AE4C5}" type="slidenum">
+            <a:fld id="{778F025A-9646-4464-B704-EAFA7EC308D1}" type="slidenum">
               <a:rPr lang="zh-CN" altLang="en-US" smtClean="0"/>
               <a:t>‹#›</a:t>
             </a:fld>
@@ -2014,7 +2014,7 @@
     </p:spTree>
     <p:extLst>
       <p:ext uri="{BB962C8B-B14F-4D97-AF65-F5344CB8AC3E}">
-        <p14:creationId xmlns:p14="http://schemas.microsoft.com/office/powerpoint/2010/main" val="3577945156"/>
+        <p14:creationId xmlns:p14="http://schemas.microsoft.com/office/powerpoint/2010/main" val="2992986503"/>
       </p:ext>
     </p:extLst>
   </p:cSld>
@@ -2046,7 +2046,7 @@
           <p:cNvPr id="2" name="日期占位符 1">
             <a:extLst>
               <a:ext uri="{FF2B5EF4-FFF2-40B4-BE49-F238E27FC236}">
-                <a16:creationId xmlns:a16="http://schemas.microsoft.com/office/drawing/2014/main" id="{971BEB85-B995-E35D-3947-E6D9DEE49D0E}"/>
+                <a16:creationId xmlns:a16="http://schemas.microsoft.com/office/drawing/2014/main" id="{953380DC-0D5C-774F-5253-8DE73880105B}"/>
               </a:ext>
             </a:extLst>
           </p:cNvPr>
@@ -2062,7 +2062,7 @@
           <a:bodyPr/>
           <a:lstStyle/>
           <a:p>
-            <a:fld id="{5861120D-BC45-4B6E-A636-8247C5F405B9}" type="datetimeFigureOut">
+            <a:fld id="{0E9CF11F-9713-4F40-A8F8-BB166B1ECD77}" type="datetimeFigureOut">
               <a:rPr lang="zh-CN" altLang="en-US" smtClean="0"/>
               <a:t>2024/3/10</a:t>
             </a:fld>
@@ -2075,7 +2075,7 @@
           <p:cNvPr id="3" name="页脚占位符 2">
             <a:extLst>
               <a:ext uri="{FF2B5EF4-FFF2-40B4-BE49-F238E27FC236}">
-                <a16:creationId xmlns:a16="http://schemas.microsoft.com/office/drawing/2014/main" id="{665F7439-A75A-0530-B1CD-B9ECD767EEA9}"/>
+                <a16:creationId xmlns:a16="http://schemas.microsoft.com/office/drawing/2014/main" id="{C282701D-AAD2-5375-65D3-447E9F10BBBE}"/>
               </a:ext>
             </a:extLst>
           </p:cNvPr>
@@ -2100,7 +2100,7 @@
           <p:cNvPr id="4" name="灯片编号占位符 3">
             <a:extLst>
               <a:ext uri="{FF2B5EF4-FFF2-40B4-BE49-F238E27FC236}">
-                <a16:creationId xmlns:a16="http://schemas.microsoft.com/office/drawing/2014/main" id="{B21BAC94-5724-4E9A-DA24-EA2CB6CC7777}"/>
+                <a16:creationId xmlns:a16="http://schemas.microsoft.com/office/drawing/2014/main" id="{96982683-1D2B-1A9F-CECD-4ED76C9FAC6B}"/>
               </a:ext>
             </a:extLst>
           </p:cNvPr>
@@ -2116,7 +2116,7 @@
           <a:bodyPr/>
           <a:lstStyle/>
           <a:p>
-            <a:fld id="{5990C7C4-547B-4CEF-8717-ACB4068AE4C5}" type="slidenum">
+            <a:fld id="{778F025A-9646-4464-B704-EAFA7EC308D1}" type="slidenum">
               <a:rPr lang="zh-CN" altLang="en-US" smtClean="0"/>
               <a:t>‹#›</a:t>
             </a:fld>
@@ -2127,7 +2127,7 @@
     </p:spTree>
     <p:extLst>
       <p:ext uri="{BB962C8B-B14F-4D97-AF65-F5344CB8AC3E}">
-        <p14:creationId xmlns:p14="http://schemas.microsoft.com/office/powerpoint/2010/main" val="3147874255"/>
+        <p14:creationId xmlns:p14="http://schemas.microsoft.com/office/powerpoint/2010/main" val="1240192228"/>
       </p:ext>
     </p:extLst>
   </p:cSld>
@@ -2159,7 +2159,7 @@
           <p:cNvPr id="2" name="标题 1">
             <a:extLst>
               <a:ext uri="{FF2B5EF4-FFF2-40B4-BE49-F238E27FC236}">
-                <a16:creationId xmlns:a16="http://schemas.microsoft.com/office/drawing/2014/main" id="{24B9F701-FAA5-4651-40FE-ABF5D711AC65}"/>
+                <a16:creationId xmlns:a16="http://schemas.microsoft.com/office/drawing/2014/main" id="{9B118BBF-12E2-1735-9B4F-E7CD17E048AB}"/>
               </a:ext>
             </a:extLst>
           </p:cNvPr>
@@ -2196,7 +2196,7 @@
           <p:cNvPr id="3" name="内容占位符 2">
             <a:extLst>
               <a:ext uri="{FF2B5EF4-FFF2-40B4-BE49-F238E27FC236}">
-                <a16:creationId xmlns:a16="http://schemas.microsoft.com/office/drawing/2014/main" id="{8A1288DA-D93C-701D-2CFA-B3AB5D48227B}"/>
+                <a16:creationId xmlns:a16="http://schemas.microsoft.com/office/drawing/2014/main" id="{3B9BBDF2-64CC-212E-F5E0-7403074A7E4D}"/>
               </a:ext>
             </a:extLst>
           </p:cNvPr>
@@ -2286,7 +2286,7 @@
           <p:cNvPr id="4" name="文本占位符 3">
             <a:extLst>
               <a:ext uri="{FF2B5EF4-FFF2-40B4-BE49-F238E27FC236}">
-                <a16:creationId xmlns:a16="http://schemas.microsoft.com/office/drawing/2014/main" id="{C97F51CD-15C5-F429-EB1A-BD606C5EE188}"/>
+                <a16:creationId xmlns:a16="http://schemas.microsoft.com/office/drawing/2014/main" id="{282B698D-5ED3-99F1-725B-4D9C8F874434}"/>
               </a:ext>
             </a:extLst>
           </p:cNvPr>
@@ -2357,7 +2357,7 @@
           <p:cNvPr id="5" name="日期占位符 4">
             <a:extLst>
               <a:ext uri="{FF2B5EF4-FFF2-40B4-BE49-F238E27FC236}">
-                <a16:creationId xmlns:a16="http://schemas.microsoft.com/office/drawing/2014/main" id="{0F796F4D-2BCB-BE63-7A15-F842304607E3}"/>
+                <a16:creationId xmlns:a16="http://schemas.microsoft.com/office/drawing/2014/main" id="{EC18C7A6-F8EE-2159-3F86-89A32A051738}"/>
               </a:ext>
             </a:extLst>
           </p:cNvPr>
@@ -2373,7 +2373,7 @@
           <a:bodyPr/>
           <a:lstStyle/>
           <a:p>
-            <a:fld id="{5861120D-BC45-4B6E-A636-8247C5F405B9}" type="datetimeFigureOut">
+            <a:fld id="{0E9CF11F-9713-4F40-A8F8-BB166B1ECD77}" type="datetimeFigureOut">
               <a:rPr lang="zh-CN" altLang="en-US" smtClean="0"/>
               <a:t>2024/3/10</a:t>
             </a:fld>
@@ -2386,7 +2386,7 @@
           <p:cNvPr id="6" name="页脚占位符 5">
             <a:extLst>
               <a:ext uri="{FF2B5EF4-FFF2-40B4-BE49-F238E27FC236}">
-                <a16:creationId xmlns:a16="http://schemas.microsoft.com/office/drawing/2014/main" id="{B8D1064F-8BD2-5EC2-44FF-09389B7B3357}"/>
+                <a16:creationId xmlns:a16="http://schemas.microsoft.com/office/drawing/2014/main" id="{3AFA370B-707B-FDE8-9CB1-CF82D4B3D305}"/>
               </a:ext>
             </a:extLst>
           </p:cNvPr>
@@ -2411,7 +2411,7 @@
           <p:cNvPr id="7" name="灯片编号占位符 6">
             <a:extLst>
               <a:ext uri="{FF2B5EF4-FFF2-40B4-BE49-F238E27FC236}">
-                <a16:creationId xmlns:a16="http://schemas.microsoft.com/office/drawing/2014/main" id="{E39B9446-7685-5708-4E4E-CEC3A8AA3BF2}"/>
+                <a16:creationId xmlns:a16="http://schemas.microsoft.com/office/drawing/2014/main" id="{43124BE9-2A88-4F17-5503-3A0C865E9808}"/>
               </a:ext>
             </a:extLst>
           </p:cNvPr>
@@ -2427,7 +2427,7 @@
           <a:bodyPr/>
           <a:lstStyle/>
           <a:p>
-            <a:fld id="{5990C7C4-547B-4CEF-8717-ACB4068AE4C5}" type="slidenum">
+            <a:fld id="{778F025A-9646-4464-B704-EAFA7EC308D1}" type="slidenum">
               <a:rPr lang="zh-CN" altLang="en-US" smtClean="0"/>
               <a:t>‹#›</a:t>
             </a:fld>
@@ -2438,7 +2438,7 @@
     </p:spTree>
     <p:extLst>
       <p:ext uri="{BB962C8B-B14F-4D97-AF65-F5344CB8AC3E}">
-        <p14:creationId xmlns:p14="http://schemas.microsoft.com/office/powerpoint/2010/main" val="1512230736"/>
+        <p14:creationId xmlns:p14="http://schemas.microsoft.com/office/powerpoint/2010/main" val="2098067818"/>
       </p:ext>
     </p:extLst>
   </p:cSld>
@@ -2470,7 +2470,7 @@
           <p:cNvPr id="2" name="标题 1">
             <a:extLst>
               <a:ext uri="{FF2B5EF4-FFF2-40B4-BE49-F238E27FC236}">
-                <a16:creationId xmlns:a16="http://schemas.microsoft.com/office/drawing/2014/main" id="{CE5257CB-B486-3742-2917-D2727D19F472}"/>
+                <a16:creationId xmlns:a16="http://schemas.microsoft.com/office/drawing/2014/main" id="{B122EE53-AB78-9206-4BEC-5328D126B8AE}"/>
               </a:ext>
             </a:extLst>
           </p:cNvPr>
@@ -2507,7 +2507,7 @@
           <p:cNvPr id="3" name="图片占位符 2">
             <a:extLst>
               <a:ext uri="{FF2B5EF4-FFF2-40B4-BE49-F238E27FC236}">
-                <a16:creationId xmlns:a16="http://schemas.microsoft.com/office/drawing/2014/main" id="{340333D9-C2A4-D0D8-B54F-4031A2B29C8D}"/>
+                <a16:creationId xmlns:a16="http://schemas.microsoft.com/office/drawing/2014/main" id="{5441E8C1-CB70-6BDB-9553-B6A6B6996BF3}"/>
               </a:ext>
             </a:extLst>
           </p:cNvPr>
@@ -2574,7 +2574,7 @@
           <p:cNvPr id="4" name="文本占位符 3">
             <a:extLst>
               <a:ext uri="{FF2B5EF4-FFF2-40B4-BE49-F238E27FC236}">
-                <a16:creationId xmlns:a16="http://schemas.microsoft.com/office/drawing/2014/main" id="{5E3800C3-C848-200C-C1E7-706E41E11DD5}"/>
+                <a16:creationId xmlns:a16="http://schemas.microsoft.com/office/drawing/2014/main" id="{1311F4B8-91B7-DA7C-DA42-3B6759768A8E}"/>
               </a:ext>
             </a:extLst>
           </p:cNvPr>
@@ -2645,7 +2645,7 @@
           <p:cNvPr id="5" name="日期占位符 4">
             <a:extLst>
               <a:ext uri="{FF2B5EF4-FFF2-40B4-BE49-F238E27FC236}">
-                <a16:creationId xmlns:a16="http://schemas.microsoft.com/office/drawing/2014/main" id="{4C1D5D60-3B0D-9996-23BF-66C6A0E98384}"/>
+                <a16:creationId xmlns:a16="http://schemas.microsoft.com/office/drawing/2014/main" id="{7F77D37D-08A5-1CE9-0EA6-024C24CAAD9F}"/>
               </a:ext>
             </a:extLst>
           </p:cNvPr>
@@ -2661,7 +2661,7 @@
           <a:bodyPr/>
           <a:lstStyle/>
           <a:p>
-            <a:fld id="{5861120D-BC45-4B6E-A636-8247C5F405B9}" type="datetimeFigureOut">
+            <a:fld id="{0E9CF11F-9713-4F40-A8F8-BB166B1ECD77}" type="datetimeFigureOut">
               <a:rPr lang="zh-CN" altLang="en-US" smtClean="0"/>
               <a:t>2024/3/10</a:t>
             </a:fld>
@@ -2674,7 +2674,7 @@
           <p:cNvPr id="6" name="页脚占位符 5">
             <a:extLst>
               <a:ext uri="{FF2B5EF4-FFF2-40B4-BE49-F238E27FC236}">
-                <a16:creationId xmlns:a16="http://schemas.microsoft.com/office/drawing/2014/main" id="{83637216-86EB-223A-C579-0F8BE0C45E17}"/>
+                <a16:creationId xmlns:a16="http://schemas.microsoft.com/office/drawing/2014/main" id="{430496D6-03A8-0B2A-A91F-10DE727A9FFD}"/>
               </a:ext>
             </a:extLst>
           </p:cNvPr>
@@ -2699,7 +2699,7 @@
           <p:cNvPr id="7" name="灯片编号占位符 6">
             <a:extLst>
               <a:ext uri="{FF2B5EF4-FFF2-40B4-BE49-F238E27FC236}">
-                <a16:creationId xmlns:a16="http://schemas.microsoft.com/office/drawing/2014/main" id="{3E153CF8-81F6-C91E-0A42-D0AAB104602F}"/>
+                <a16:creationId xmlns:a16="http://schemas.microsoft.com/office/drawing/2014/main" id="{E821E4F6-EBBE-E812-DC84-2DF59B8548E1}"/>
               </a:ext>
             </a:extLst>
           </p:cNvPr>
@@ -2715,7 +2715,7 @@
           <a:bodyPr/>
           <a:lstStyle/>
           <a:p>
-            <a:fld id="{5990C7C4-547B-4CEF-8717-ACB4068AE4C5}" type="slidenum">
+            <a:fld id="{778F025A-9646-4464-B704-EAFA7EC308D1}" type="slidenum">
               <a:rPr lang="zh-CN" altLang="en-US" smtClean="0"/>
               <a:t>‹#›</a:t>
             </a:fld>
@@ -2726,7 +2726,7 @@
     </p:spTree>
     <p:extLst>
       <p:ext uri="{BB962C8B-B14F-4D97-AF65-F5344CB8AC3E}">
-        <p14:creationId xmlns:p14="http://schemas.microsoft.com/office/powerpoint/2010/main" val="2134667909"/>
+        <p14:creationId xmlns:p14="http://schemas.microsoft.com/office/powerpoint/2010/main" val="3552147159"/>
       </p:ext>
     </p:extLst>
   </p:cSld>
@@ -2763,7 +2763,7 @@
           <p:cNvPr id="2" name="标题占位符 1">
             <a:extLst>
               <a:ext uri="{FF2B5EF4-FFF2-40B4-BE49-F238E27FC236}">
-                <a16:creationId xmlns:a16="http://schemas.microsoft.com/office/drawing/2014/main" id="{B6A367CF-DB57-A9A0-52C3-00DE83C411A4}"/>
+                <a16:creationId xmlns:a16="http://schemas.microsoft.com/office/drawing/2014/main" id="{68570C1D-F3F4-FA05-9F21-93AB6FC9C0E2}"/>
               </a:ext>
             </a:extLst>
           </p:cNvPr>
@@ -2801,7 +2801,7 @@
           <p:cNvPr id="3" name="文本占位符 2">
             <a:extLst>
               <a:ext uri="{FF2B5EF4-FFF2-40B4-BE49-F238E27FC236}">
-                <a16:creationId xmlns:a16="http://schemas.microsoft.com/office/drawing/2014/main" id="{73CE21BF-C87B-5F01-8EC0-E2F2F9882F00}"/>
+                <a16:creationId xmlns:a16="http://schemas.microsoft.com/office/drawing/2014/main" id="{0C20AD71-27BA-5131-3F66-8E225C874E06}"/>
               </a:ext>
             </a:extLst>
           </p:cNvPr>
@@ -2868,7 +2868,7 @@
           <p:cNvPr id="4" name="日期占位符 3">
             <a:extLst>
               <a:ext uri="{FF2B5EF4-FFF2-40B4-BE49-F238E27FC236}">
-                <a16:creationId xmlns:a16="http://schemas.microsoft.com/office/drawing/2014/main" id="{89FD9CFB-3B05-2C44-1153-551E602376B3}"/>
+                <a16:creationId xmlns:a16="http://schemas.microsoft.com/office/drawing/2014/main" id="{B9BAB831-3EEA-75C6-9C01-1D571750D700}"/>
               </a:ext>
             </a:extLst>
           </p:cNvPr>
@@ -2902,7 +2902,7 @@
             </a:lvl1pPr>
           </a:lstStyle>
           <a:p>
-            <a:fld id="{5861120D-BC45-4B6E-A636-8247C5F405B9}" type="datetimeFigureOut">
+            <a:fld id="{0E9CF11F-9713-4F40-A8F8-BB166B1ECD77}" type="datetimeFigureOut">
               <a:rPr lang="zh-CN" altLang="en-US" smtClean="0"/>
               <a:t>2024/3/10</a:t>
             </a:fld>
@@ -2915,7 +2915,7 @@
           <p:cNvPr id="5" name="页脚占位符 4">
             <a:extLst>
               <a:ext uri="{FF2B5EF4-FFF2-40B4-BE49-F238E27FC236}">
-                <a16:creationId xmlns:a16="http://schemas.microsoft.com/office/drawing/2014/main" id="{A49F1C9D-64C0-610F-BBC9-C9E8F5EEAB41}"/>
+                <a16:creationId xmlns:a16="http://schemas.microsoft.com/office/drawing/2014/main" id="{6B569007-563E-27ED-ED40-6A8CEEA16807}"/>
               </a:ext>
             </a:extLst>
           </p:cNvPr>
@@ -2958,7 +2958,7 @@
           <p:cNvPr id="6" name="灯片编号占位符 5">
             <a:extLst>
               <a:ext uri="{FF2B5EF4-FFF2-40B4-BE49-F238E27FC236}">
-                <a16:creationId xmlns:a16="http://schemas.microsoft.com/office/drawing/2014/main" id="{6E9948CF-F224-7CDA-2D98-978F25D3D611}"/>
+                <a16:creationId xmlns:a16="http://schemas.microsoft.com/office/drawing/2014/main" id="{63DF2266-909E-5AA8-B15F-2F0ABDD4C2F2}"/>
               </a:ext>
             </a:extLst>
           </p:cNvPr>
@@ -2992,7 +2992,7 @@
             </a:lvl1pPr>
           </a:lstStyle>
           <a:p>
-            <a:fld id="{5990C7C4-547B-4CEF-8717-ACB4068AE4C5}" type="slidenum">
+            <a:fld id="{778F025A-9646-4464-B704-EAFA7EC308D1}" type="slidenum">
               <a:rPr lang="zh-CN" altLang="en-US" smtClean="0"/>
               <a:t>‹#›</a:t>
             </a:fld>
@@ -3003,7 +3003,7 @@
     </p:spTree>
     <p:extLst>
       <p:ext uri="{BB962C8B-B14F-4D97-AF65-F5344CB8AC3E}">
-        <p14:creationId xmlns:p14="http://schemas.microsoft.com/office/powerpoint/2010/main" val="3692051821"/>
+        <p14:creationId xmlns:p14="http://schemas.microsoft.com/office/powerpoint/2010/main" val="620113323"/>
       </p:ext>
     </p:extLst>
   </p:cSld>
@@ -3323,7 +3323,7 @@
       </p:grpSpPr>
       <p:pic>
         <p:nvPicPr>
-          <p:cNvPr id="229378" name="Picture 2" descr="223"/>
+          <p:cNvPr id="230402" name="Picture 2" descr="224"/>
           <p:cNvPicPr>
             <a:picLocks noChangeAspect="1" noChangeArrowheads="1"/>
           </p:cNvPicPr>
@@ -3377,7 +3377,7 @@
       </p:pic>
       <p:pic>
         <p:nvPicPr>
-          <p:cNvPr id="230403" name="Picture 3" descr="223-2"/>
+          <p:cNvPr id="231427" name="Picture 3" descr="224-2"/>
           <p:cNvPicPr>
             <a:picLocks noChangeAspect="1" noChangeArrowheads="1"/>
           </p:cNvPicPr>
@@ -3478,7 +3478,7 @@
                                           </p:stCondLst>
                                         </p:cTn>
                                         <p:tgtEl>
-                                          <p:spTgt spid="230403"/>
+                                          <p:spTgt spid="231427"/>
                                         </p:tgtEl>
                                         <p:attrNameLst>
                                           <p:attrName>style.visibility</p:attrName>
@@ -3492,7 +3492,7 @@
                                       <p:cBhvr>
                                         <p:cTn id="7" dur="500"/>
                                         <p:tgtEl>
-                                          <p:spTgt spid="230403"/>
+                                          <p:spTgt spid="231427"/>
                                         </p:tgtEl>
                                       </p:cBhvr>
                                     </p:animEffect>
